--- a/ch6/第六章 流.pptx
+++ b/ch6/第六章 流.pptx
@@ -79,6 +79,7 @@
     <p:sldId id="344" r:id="rId73"/>
     <p:sldId id="295" r:id="rId74"/>
     <p:sldId id="296" r:id="rId75"/>
+    <p:sldId id="345" r:id="rId76"/>
   </p:sldIdLst>
   <p:sldSz cx="12192000" cy="6858000"/>
   <p:notesSz cx="6858000" cy="9144000"/>
@@ -177,6 +178,11 @@
       </a:defRPr>
     </a:lvl9pPr>
   </p:defaultTextStyle>
+  <p:extLst>
+    <p:ext uri="{EFAFB233-063F-42B5-8137-9DF3F51BA10A}">
+      <p15:sldGuideLst xmlns:p15="http://schemas.microsoft.com/office/powerpoint/2012/main"/>
+    </p:ext>
+  </p:extLst>
 </p:presentation>
 </file>
 
@@ -327,7 +333,7 @@
           <a:p>
             <a:fld id="{1CD9F079-83A3-384A-9E3C-0E308B4BC395}" type="datetimeFigureOut">
               <a:rPr kumimoji="1" lang="zh-CN" altLang="en-US" smtClean="0"/>
-              <a:t>2020/5/6</a:t>
+              <a:t>2020/5/11</a:t>
             </a:fld>
             <a:endParaRPr kumimoji="1" lang="zh-CN" altLang="en-US"/>
           </a:p>
@@ -525,7 +531,7 @@
           <a:p>
             <a:fld id="{1CD9F079-83A3-384A-9E3C-0E308B4BC395}" type="datetimeFigureOut">
               <a:rPr kumimoji="1" lang="zh-CN" altLang="en-US" smtClean="0"/>
-              <a:t>2020/5/6</a:t>
+              <a:t>2020/5/11</a:t>
             </a:fld>
             <a:endParaRPr kumimoji="1" lang="zh-CN" altLang="en-US"/>
           </a:p>
@@ -733,7 +739,7 @@
           <a:p>
             <a:fld id="{1CD9F079-83A3-384A-9E3C-0E308B4BC395}" type="datetimeFigureOut">
               <a:rPr kumimoji="1" lang="zh-CN" altLang="en-US" smtClean="0"/>
-              <a:t>2020/5/6</a:t>
+              <a:t>2020/5/11</a:t>
             </a:fld>
             <a:endParaRPr kumimoji="1" lang="zh-CN" altLang="en-US"/>
           </a:p>
@@ -931,7 +937,7 @@
           <a:p>
             <a:fld id="{1CD9F079-83A3-384A-9E3C-0E308B4BC395}" type="datetimeFigureOut">
               <a:rPr kumimoji="1" lang="zh-CN" altLang="en-US" smtClean="0"/>
-              <a:t>2020/5/6</a:t>
+              <a:t>2020/5/11</a:t>
             </a:fld>
             <a:endParaRPr kumimoji="1" lang="zh-CN" altLang="en-US"/>
           </a:p>
@@ -1206,7 +1212,7 @@
           <a:p>
             <a:fld id="{1CD9F079-83A3-384A-9E3C-0E308B4BC395}" type="datetimeFigureOut">
               <a:rPr kumimoji="1" lang="zh-CN" altLang="en-US" smtClean="0"/>
-              <a:t>2020/5/6</a:t>
+              <a:t>2020/5/11</a:t>
             </a:fld>
             <a:endParaRPr kumimoji="1" lang="zh-CN" altLang="en-US"/>
           </a:p>
@@ -1471,7 +1477,7 @@
           <a:p>
             <a:fld id="{1CD9F079-83A3-384A-9E3C-0E308B4BC395}" type="datetimeFigureOut">
               <a:rPr kumimoji="1" lang="zh-CN" altLang="en-US" smtClean="0"/>
-              <a:t>2020/5/6</a:t>
+              <a:t>2020/5/11</a:t>
             </a:fld>
             <a:endParaRPr kumimoji="1" lang="zh-CN" altLang="en-US"/>
           </a:p>
@@ -1883,7 +1889,7 @@
           <a:p>
             <a:fld id="{1CD9F079-83A3-384A-9E3C-0E308B4BC395}" type="datetimeFigureOut">
               <a:rPr kumimoji="1" lang="zh-CN" altLang="en-US" smtClean="0"/>
-              <a:t>2020/5/6</a:t>
+              <a:t>2020/5/11</a:t>
             </a:fld>
             <a:endParaRPr kumimoji="1" lang="zh-CN" altLang="en-US"/>
           </a:p>
@@ -2024,7 +2030,7 @@
           <a:p>
             <a:fld id="{1CD9F079-83A3-384A-9E3C-0E308B4BC395}" type="datetimeFigureOut">
               <a:rPr kumimoji="1" lang="zh-CN" altLang="en-US" smtClean="0"/>
-              <a:t>2020/5/6</a:t>
+              <a:t>2020/5/11</a:t>
             </a:fld>
             <a:endParaRPr kumimoji="1" lang="zh-CN" altLang="en-US"/>
           </a:p>
@@ -2137,7 +2143,7 @@
           <a:p>
             <a:fld id="{1CD9F079-83A3-384A-9E3C-0E308B4BC395}" type="datetimeFigureOut">
               <a:rPr kumimoji="1" lang="zh-CN" altLang="en-US" smtClean="0"/>
-              <a:t>2020/5/6</a:t>
+              <a:t>2020/5/11</a:t>
             </a:fld>
             <a:endParaRPr kumimoji="1" lang="zh-CN" altLang="en-US"/>
           </a:p>
@@ -2448,7 +2454,7 @@
           <a:p>
             <a:fld id="{1CD9F079-83A3-384A-9E3C-0E308B4BC395}" type="datetimeFigureOut">
               <a:rPr kumimoji="1" lang="zh-CN" altLang="en-US" smtClean="0"/>
-              <a:t>2020/5/6</a:t>
+              <a:t>2020/5/11</a:t>
             </a:fld>
             <a:endParaRPr kumimoji="1" lang="zh-CN" altLang="en-US"/>
           </a:p>
@@ -2736,7 +2742,7 @@
           <a:p>
             <a:fld id="{1CD9F079-83A3-384A-9E3C-0E308B4BC395}" type="datetimeFigureOut">
               <a:rPr kumimoji="1" lang="zh-CN" altLang="en-US" smtClean="0"/>
-              <a:t>2020/5/6</a:t>
+              <a:t>2020/5/11</a:t>
             </a:fld>
             <a:endParaRPr kumimoji="1" lang="zh-CN" altLang="en-US"/>
           </a:p>
@@ -2977,7 +2983,7 @@
           <a:p>
             <a:fld id="{1CD9F079-83A3-384A-9E3C-0E308B4BC395}" type="datetimeFigureOut">
               <a:rPr kumimoji="1" lang="zh-CN" altLang="en-US" smtClean="0"/>
-              <a:t>2020/5/6</a:t>
+              <a:t>2020/5/11</a:t>
             </a:fld>
             <a:endParaRPr kumimoji="1" lang="zh-CN" altLang="en-US"/>
           </a:p>
@@ -17835,7 +17841,7 @@
               <a:buNone/>
             </a:pPr>
             <a:r>
-              <a:rPr lang="en-US" altLang="zh-CN" sz="2000" b="1">
+              <a:rPr lang="en-US" altLang="zh-CN" sz="2000" b="1" dirty="0">
                 <a:latin typeface="Times New Roman" panose="02020603050405020304" pitchFamily="18" charset="0"/>
               </a:rPr>
               <a:t>class DataStream</a:t>
@@ -17857,7 +17863,7 @@
               <a:buNone/>
             </a:pPr>
             <a:r>
-              <a:rPr lang="en-US" altLang="zh-CN" sz="2000" b="1">
+              <a:rPr lang="en-US" altLang="zh-CN" sz="2000" b="1" dirty="0">
                 <a:latin typeface="Times New Roman" panose="02020603050405020304" pitchFamily="18" charset="0"/>
               </a:rPr>
               <a:t>{</a:t>
@@ -17879,11 +17885,32 @@
               <a:buNone/>
             </a:pPr>
             <a:r>
-              <a:rPr lang="en-US" altLang="zh-CN" sz="2000" b="1">
-                <a:latin typeface="Times New Roman" panose="02020603050405020304" pitchFamily="18" charset="0"/>
-              </a:rPr>
-              <a:t>    public static void main(String args[]) throws  IOException</a:t>
-            </a:r>
+              <a:rPr lang="en-US" altLang="zh-CN" sz="2000" b="1" dirty="0">
+                <a:latin typeface="Times New Roman" panose="02020603050405020304" pitchFamily="18" charset="0"/>
+              </a:rPr>
+              <a:t>    public static void main(String </a:t>
+            </a:r>
+            <a:r>
+              <a:rPr lang="en-US" altLang="zh-CN" sz="2000" b="1" dirty="0" err="1">
+                <a:latin typeface="Times New Roman" panose="02020603050405020304" pitchFamily="18" charset="0"/>
+              </a:rPr>
+              <a:t>args</a:t>
+            </a:r>
+            <a:r>
+              <a:rPr lang="en-US" altLang="zh-CN" sz="2000" b="1" dirty="0">
+                <a:latin typeface="Times New Roman" panose="02020603050405020304" pitchFamily="18" charset="0"/>
+              </a:rPr>
+              <a:t>[]) throws  </a:t>
+            </a:r>
+            <a:r>
+              <a:rPr lang="en-US" altLang="zh-CN" sz="2000" b="1" dirty="0" err="1">
+                <a:latin typeface="Times New Roman" panose="02020603050405020304" pitchFamily="18" charset="0"/>
+              </a:rPr>
+              <a:t>IOException</a:t>
+            </a:r>
+            <a:endParaRPr lang="en-US" altLang="zh-CN" sz="2000" b="1" dirty="0">
+              <a:latin typeface="Times New Roman" panose="02020603050405020304" pitchFamily="18" charset="0"/>
+            </a:endParaRPr>
           </a:p>
           <a:p>
             <a:pPr>
@@ -17901,7 +17928,7 @@
               <a:buNone/>
             </a:pPr>
             <a:r>
-              <a:rPr lang="en-US" altLang="zh-CN" sz="2000" b="1">
+              <a:rPr lang="en-US" altLang="zh-CN" sz="2000" b="1" dirty="0">
                 <a:latin typeface="Times New Roman" panose="02020603050405020304" pitchFamily="18" charset="0"/>
               </a:rPr>
               <a:t>    {</a:t>
@@ -17923,10 +17950,58 @@
               <a:buNone/>
             </a:pPr>
             <a:r>
-              <a:rPr lang="en-US" altLang="zh-CN" sz="2000" b="1">
-                <a:latin typeface="Times New Roman" panose="02020603050405020304" pitchFamily="18" charset="0"/>
-              </a:rPr>
-              <a:t>        FileOutputStream fos = new FileOutputStream(“a.txt”);</a:t>
+              <a:rPr lang="en-US" altLang="zh-CN" sz="2000" b="1" dirty="0">
+                <a:latin typeface="Times New Roman" panose="02020603050405020304" pitchFamily="18" charset="0"/>
+              </a:rPr>
+              <a:t>        </a:t>
+            </a:r>
+            <a:r>
+              <a:rPr lang="en-US" altLang="zh-CN" sz="2000" b="1" dirty="0" err="1">
+                <a:latin typeface="Times New Roman" panose="02020603050405020304" pitchFamily="18" charset="0"/>
+              </a:rPr>
+              <a:t>FileOutputStream</a:t>
+            </a:r>
+            <a:r>
+              <a:rPr lang="en-US" altLang="zh-CN" sz="2000" b="1" dirty="0">
+                <a:latin typeface="Times New Roman" panose="02020603050405020304" pitchFamily="18" charset="0"/>
+              </a:rPr>
+              <a:t> </a:t>
+            </a:r>
+            <a:r>
+              <a:rPr lang="en-US" altLang="zh-CN" sz="2000" b="1" dirty="0" err="1">
+                <a:latin typeface="Times New Roman" panose="02020603050405020304" pitchFamily="18" charset="0"/>
+              </a:rPr>
+              <a:t>fos</a:t>
+            </a:r>
+            <a:r>
+              <a:rPr lang="en-US" altLang="zh-CN" sz="2000" b="1" dirty="0">
+                <a:latin typeface="Times New Roman" panose="02020603050405020304" pitchFamily="18" charset="0"/>
+              </a:rPr>
+              <a:t> = new </a:t>
+            </a:r>
+            <a:r>
+              <a:rPr lang="en-US" altLang="zh-CN" sz="2000" b="1" dirty="0" err="1">
+                <a:latin typeface="Times New Roman" panose="02020603050405020304" pitchFamily="18" charset="0"/>
+              </a:rPr>
+              <a:t>FileOutputStream</a:t>
+            </a:r>
+            <a:r>
+              <a:rPr lang="en-US" altLang="zh-CN" sz="2000" b="1" dirty="0">
+                <a:latin typeface="Times New Roman" panose="02020603050405020304" pitchFamily="18" charset="0"/>
+              </a:rPr>
+              <a:t>(“</a:t>
+            </a:r>
+            <a:r>
+              <a:rPr lang="en-US" altLang="zh-CN" sz="2000" b="1" dirty="0" err="1">
+                <a:latin typeface="Times New Roman" panose="02020603050405020304" pitchFamily="18" charset="0"/>
+              </a:rPr>
+              <a:t>a.txt</a:t>
+            </a:r>
+            <a:r>
+              <a:rPr lang="en-US" altLang="zh-CN" sz="2000" b="1" dirty="0">
+                <a:latin typeface="Times New Roman" panose="02020603050405020304" pitchFamily="18" charset="0"/>
+              </a:rPr>
+              <a:t>”);</a:t>
             </a:r>
           </a:p>
           <a:p>
@@ -17945,10 +18020,46 @@
               <a:buNone/>
             </a:pPr>
             <a:r>
-              <a:rPr lang="en-US" altLang="zh-CN" sz="2000" b="1">
-                <a:latin typeface="Times New Roman" panose="02020603050405020304" pitchFamily="18" charset="0"/>
-              </a:rPr>
-              <a:t>        DataOutputStream dos = new DataOutputStream (fos);</a:t>
+              <a:rPr lang="en-US" altLang="zh-CN" sz="2000" b="1" dirty="0">
+                <a:latin typeface="Times New Roman" panose="02020603050405020304" pitchFamily="18" charset="0"/>
+              </a:rPr>
+              <a:t>        </a:t>
+            </a:r>
+            <a:r>
+              <a:rPr lang="en-US" altLang="zh-CN" sz="2000" b="1" dirty="0" err="1">
+                <a:latin typeface="Times New Roman" panose="02020603050405020304" pitchFamily="18" charset="0"/>
+              </a:rPr>
+              <a:t>DataOutputStream</a:t>
+            </a:r>
+            <a:r>
+              <a:rPr lang="en-US" altLang="zh-CN" sz="2000" b="1" dirty="0">
+                <a:latin typeface="Times New Roman" panose="02020603050405020304" pitchFamily="18" charset="0"/>
+              </a:rPr>
+              <a:t> dos = new </a:t>
+            </a:r>
+            <a:r>
+              <a:rPr lang="en-US" altLang="zh-CN" sz="2000" b="1" dirty="0" err="1">
+                <a:latin typeface="Times New Roman" panose="02020603050405020304" pitchFamily="18" charset="0"/>
+              </a:rPr>
+              <a:t>DataOutputStream</a:t>
+            </a:r>
+            <a:r>
+              <a:rPr lang="en-US" altLang="zh-CN" sz="2000" b="1" dirty="0">
+                <a:latin typeface="Times New Roman" panose="02020603050405020304" pitchFamily="18" charset="0"/>
+              </a:rPr>
+              <a:t> (</a:t>
+            </a:r>
+            <a:r>
+              <a:rPr lang="en-US" altLang="zh-CN" sz="2000" b="1" dirty="0" err="1">
+                <a:latin typeface="Times New Roman" panose="02020603050405020304" pitchFamily="18" charset="0"/>
+              </a:rPr>
+              <a:t>fos</a:t>
+            </a:r>
+            <a:r>
+              <a:rPr lang="en-US" altLang="zh-CN" sz="2000" b="1" dirty="0">
+                <a:latin typeface="Times New Roman" panose="02020603050405020304" pitchFamily="18" charset="0"/>
+              </a:rPr>
+              <a:t>);</a:t>
             </a:r>
           </a:p>
           <a:p>
@@ -17967,7 +18078,7 @@
               <a:buNone/>
             </a:pPr>
             <a:r>
-              <a:rPr lang="en-US" altLang="zh-CN" sz="2000" b="1">
+              <a:rPr lang="en-US" altLang="zh-CN" sz="2000" b="1" dirty="0">
                 <a:latin typeface="Times New Roman" panose="02020603050405020304" pitchFamily="18" charset="0"/>
               </a:rPr>
               <a:t>        try</a:t>
@@ -17989,7 +18100,7 @@
               <a:buNone/>
             </a:pPr>
             <a:r>
-              <a:rPr lang="en-US" altLang="zh-CN" sz="2000" b="1">
+              <a:rPr lang="en-US" altLang="zh-CN" sz="2000" b="1" dirty="0">
                 <a:latin typeface="Times New Roman" panose="02020603050405020304" pitchFamily="18" charset="0"/>
               </a:rPr>
               <a:t>        {</a:t>
@@ -18011,19 +18122,28 @@
               <a:buNone/>
             </a:pPr>
             <a:r>
-              <a:rPr lang="en-US" altLang="zh-CN" sz="2000" b="1">
+              <a:rPr lang="en-US" altLang="zh-CN" sz="2000" b="1" dirty="0">
                 <a:latin typeface="Times New Roman" panose="02020603050405020304" pitchFamily="18" charset="0"/>
               </a:rPr>
               <a:t>            </a:t>
             </a:r>
             <a:r>
-              <a:rPr lang="en-US" altLang="zh-CN" sz="2000" b="1">
+              <a:rPr lang="en-US" altLang="zh-CN" sz="2000" b="1" dirty="0" err="1">
                 <a:solidFill>
                   <a:schemeClr val="folHlink"/>
                 </a:solidFill>
                 <a:latin typeface="Times New Roman" panose="02020603050405020304" pitchFamily="18" charset="0"/>
               </a:rPr>
-              <a:t>dos.writeBoolean(true);</a:t>
+              <a:t>dos.writeBoolean</a:t>
+            </a:r>
+            <a:r>
+              <a:rPr lang="en-US" altLang="zh-CN" sz="2000" b="1" dirty="0">
+                <a:solidFill>
+                  <a:schemeClr val="folHlink"/>
+                </a:solidFill>
+                <a:latin typeface="Times New Roman" panose="02020603050405020304" pitchFamily="18" charset="0"/>
+              </a:rPr>
+              <a:t>(true);</a:t>
             </a:r>
           </a:p>
           <a:p>
@@ -18042,10 +18162,22 @@
               <a:buNone/>
             </a:pPr>
             <a:r>
-              <a:rPr lang="en-US" altLang="zh-CN" sz="2000" b="1">
-                <a:latin typeface="Times New Roman" panose="02020603050405020304" pitchFamily="18" charset="0"/>
-              </a:rPr>
-              <a:t>            dos.writeByte((byte)123);</a:t>
+              <a:rPr lang="en-US" altLang="zh-CN" sz="2000" b="1" dirty="0">
+                <a:latin typeface="Times New Roman" panose="02020603050405020304" pitchFamily="18" charset="0"/>
+              </a:rPr>
+              <a:t>            </a:t>
+            </a:r>
+            <a:r>
+              <a:rPr lang="en-US" altLang="zh-CN" sz="2000" b="1" dirty="0" err="1">
+                <a:latin typeface="Times New Roman" panose="02020603050405020304" pitchFamily="18" charset="0"/>
+              </a:rPr>
+              <a:t>dos.writeByte</a:t>
+            </a:r>
+            <a:r>
+              <a:rPr lang="en-US" altLang="zh-CN" sz="2000" b="1" dirty="0">
+                <a:latin typeface="Times New Roman" panose="02020603050405020304" pitchFamily="18" charset="0"/>
+              </a:rPr>
+              <a:t>((byte)123);</a:t>
             </a:r>
           </a:p>
           <a:p>
@@ -18064,10 +18196,22 @@
               <a:buNone/>
             </a:pPr>
             <a:r>
-              <a:rPr lang="en-US" altLang="zh-CN" sz="2000" b="1">
-                <a:latin typeface="Times New Roman" panose="02020603050405020304" pitchFamily="18" charset="0"/>
-              </a:rPr>
-              <a:t>            dos.writeChar('J');</a:t>
+              <a:rPr lang="en-US" altLang="zh-CN" sz="2000" b="1" dirty="0">
+                <a:latin typeface="Times New Roman" panose="02020603050405020304" pitchFamily="18" charset="0"/>
+              </a:rPr>
+              <a:t>            </a:t>
+            </a:r>
+            <a:r>
+              <a:rPr lang="en-US" altLang="zh-CN" sz="2000" b="1" dirty="0" err="1">
+                <a:latin typeface="Times New Roman" panose="02020603050405020304" pitchFamily="18" charset="0"/>
+              </a:rPr>
+              <a:t>dos.writeChar</a:t>
+            </a:r>
+            <a:r>
+              <a:rPr lang="en-US" altLang="zh-CN" sz="2000" b="1" dirty="0">
+                <a:latin typeface="Times New Roman" panose="02020603050405020304" pitchFamily="18" charset="0"/>
+              </a:rPr>
+              <a:t>('J');</a:t>
             </a:r>
           </a:p>
           <a:p>
@@ -18086,10 +18230,22 @@
               <a:buNone/>
             </a:pPr>
             <a:r>
-              <a:rPr lang="en-US" altLang="zh-CN" sz="2000" b="1">
-                <a:latin typeface="Times New Roman" panose="02020603050405020304" pitchFamily="18" charset="0"/>
-              </a:rPr>
-              <a:t>            dos.writeDouble(3.141592654);</a:t>
+              <a:rPr lang="en-US" altLang="zh-CN" sz="2000" b="1" dirty="0">
+                <a:latin typeface="Times New Roman" panose="02020603050405020304" pitchFamily="18" charset="0"/>
+              </a:rPr>
+              <a:t>            </a:t>
+            </a:r>
+            <a:r>
+              <a:rPr lang="en-US" altLang="zh-CN" sz="2000" b="1" dirty="0" err="1">
+                <a:latin typeface="Times New Roman" panose="02020603050405020304" pitchFamily="18" charset="0"/>
+              </a:rPr>
+              <a:t>dos.writeDouble</a:t>
+            </a:r>
+            <a:r>
+              <a:rPr lang="en-US" altLang="zh-CN" sz="2000" b="1" dirty="0">
+                <a:latin typeface="Times New Roman" panose="02020603050405020304" pitchFamily="18" charset="0"/>
+              </a:rPr>
+              <a:t>(3.141592654);</a:t>
             </a:r>
           </a:p>
           <a:p>
@@ -18108,10 +18264,22 @@
               <a:buNone/>
             </a:pPr>
             <a:r>
-              <a:rPr lang="en-US" altLang="zh-CN" sz="2000" b="1">
-                <a:latin typeface="Times New Roman" panose="02020603050405020304" pitchFamily="18" charset="0"/>
-              </a:rPr>
-              <a:t>            dos.writeFloat(2.7182f);</a:t>
+              <a:rPr lang="en-US" altLang="zh-CN" sz="2000" b="1" dirty="0">
+                <a:latin typeface="Times New Roman" panose="02020603050405020304" pitchFamily="18" charset="0"/>
+              </a:rPr>
+              <a:t>            </a:t>
+            </a:r>
+            <a:r>
+              <a:rPr lang="en-US" altLang="zh-CN" sz="2000" b="1" dirty="0" err="1">
+                <a:latin typeface="Times New Roman" panose="02020603050405020304" pitchFamily="18" charset="0"/>
+              </a:rPr>
+              <a:t>dos.writeFloat</a:t>
+            </a:r>
+            <a:r>
+              <a:rPr lang="en-US" altLang="zh-CN" sz="2000" b="1" dirty="0">
+                <a:latin typeface="Times New Roman" panose="02020603050405020304" pitchFamily="18" charset="0"/>
+              </a:rPr>
+              <a:t>(2.7182f);</a:t>
             </a:r>
           </a:p>
           <a:p>
@@ -18130,10 +18298,22 @@
               <a:buNone/>
             </a:pPr>
             <a:r>
-              <a:rPr lang="en-US" altLang="zh-CN" sz="2000" b="1">
-                <a:latin typeface="Times New Roman" panose="02020603050405020304" pitchFamily="18" charset="0"/>
-              </a:rPr>
-              <a:t>            dos.writeInt(1234567890);</a:t>
+              <a:rPr lang="en-US" altLang="zh-CN" sz="2000" b="1" dirty="0">
+                <a:latin typeface="Times New Roman" panose="02020603050405020304" pitchFamily="18" charset="0"/>
+              </a:rPr>
+              <a:t>            </a:t>
+            </a:r>
+            <a:r>
+              <a:rPr lang="en-US" altLang="zh-CN" sz="2000" b="1" dirty="0" err="1">
+                <a:latin typeface="Times New Roman" panose="02020603050405020304" pitchFamily="18" charset="0"/>
+              </a:rPr>
+              <a:t>dos.writeInt</a:t>
+            </a:r>
+            <a:r>
+              <a:rPr lang="en-US" altLang="zh-CN" sz="2000" b="1" dirty="0">
+                <a:latin typeface="Times New Roman" panose="02020603050405020304" pitchFamily="18" charset="0"/>
+              </a:rPr>
+              <a:t>(1234567890);</a:t>
             </a:r>
           </a:p>
           <a:p>
@@ -18152,10 +18332,22 @@
               <a:buNone/>
             </a:pPr>
             <a:r>
-              <a:rPr lang="en-US" altLang="zh-CN" sz="2000" b="1">
-                <a:latin typeface="Times New Roman" panose="02020603050405020304" pitchFamily="18" charset="0"/>
-              </a:rPr>
-              <a:t>            dos.writeLong(998877665544332211L);</a:t>
+              <a:rPr lang="en-US" altLang="zh-CN" sz="2000" b="1" dirty="0">
+                <a:latin typeface="Times New Roman" panose="02020603050405020304" pitchFamily="18" charset="0"/>
+              </a:rPr>
+              <a:t>            </a:t>
+            </a:r>
+            <a:r>
+              <a:rPr lang="en-US" altLang="zh-CN" sz="2000" b="1" dirty="0" err="1">
+                <a:latin typeface="Times New Roman" panose="02020603050405020304" pitchFamily="18" charset="0"/>
+              </a:rPr>
+              <a:t>dos.writeLong</a:t>
+            </a:r>
+            <a:r>
+              <a:rPr lang="en-US" altLang="zh-CN" sz="2000" b="1" dirty="0">
+                <a:latin typeface="Times New Roman" panose="02020603050405020304" pitchFamily="18" charset="0"/>
+              </a:rPr>
+              <a:t>(998877665544332211L);</a:t>
             </a:r>
           </a:p>
           <a:p>
@@ -18174,10 +18366,22 @@
               <a:buNone/>
             </a:pPr>
             <a:r>
-              <a:rPr lang="en-US" altLang="zh-CN" sz="2000" b="1">
-                <a:latin typeface="Times New Roman" panose="02020603050405020304" pitchFamily="18" charset="0"/>
-              </a:rPr>
-              <a:t>            dos.writeShort((short)11223);</a:t>
+              <a:rPr lang="en-US" altLang="zh-CN" sz="2000" b="1" dirty="0">
+                <a:latin typeface="Times New Roman" panose="02020603050405020304" pitchFamily="18" charset="0"/>
+              </a:rPr>
+              <a:t>            </a:t>
+            </a:r>
+            <a:r>
+              <a:rPr lang="en-US" altLang="zh-CN" sz="2000" b="1" dirty="0" err="1">
+                <a:latin typeface="Times New Roman" panose="02020603050405020304" pitchFamily="18" charset="0"/>
+              </a:rPr>
+              <a:t>dos.writeShort</a:t>
+            </a:r>
+            <a:r>
+              <a:rPr lang="en-US" altLang="zh-CN" sz="2000" b="1" dirty="0">
+                <a:latin typeface="Times New Roman" panose="02020603050405020304" pitchFamily="18" charset="0"/>
+              </a:rPr>
+              <a:t>((short)11223);</a:t>
             </a:r>
           </a:p>
           <a:p>
@@ -18196,7 +18400,7 @@
               <a:buNone/>
             </a:pPr>
             <a:r>
-              <a:rPr lang="en-US" altLang="zh-CN" sz="2000" b="1">
+              <a:rPr lang="en-US" altLang="zh-CN" sz="2000" b="1" dirty="0">
                 <a:latin typeface="Times New Roman" panose="02020603050405020304" pitchFamily="18" charset="0"/>
               </a:rPr>
               <a:t>        }</a:t>
@@ -18218,7 +18422,7 @@
               <a:buNone/>
             </a:pPr>
             <a:r>
-              <a:rPr lang="en-US" altLang="zh-CN" sz="2000" b="1">
+              <a:rPr lang="en-US" altLang="zh-CN" sz="2000" b="1" dirty="0">
                 <a:latin typeface="Times New Roman" panose="02020603050405020304" pitchFamily="18" charset="0"/>
               </a:rPr>
               <a:t>        finally</a:t>
@@ -18240,7 +18444,7 @@
               <a:buNone/>
             </a:pPr>
             <a:r>
-              <a:rPr lang="en-US" altLang="zh-CN" sz="2000" b="1">
+              <a:rPr lang="en-US" altLang="zh-CN" sz="2000" b="1" dirty="0">
                 <a:latin typeface="Times New Roman" panose="02020603050405020304" pitchFamily="18" charset="0"/>
               </a:rPr>
               <a:t>        {</a:t>
@@ -18262,10 +18466,22 @@
               <a:buNone/>
             </a:pPr>
             <a:r>
-              <a:rPr lang="en-US" altLang="zh-CN" sz="2000" b="1">
-                <a:latin typeface="Times New Roman" panose="02020603050405020304" pitchFamily="18" charset="0"/>
-              </a:rPr>
-              <a:t>            dos.close();</a:t>
+              <a:rPr lang="en-US" altLang="zh-CN" sz="2000" b="1" dirty="0">
+                <a:latin typeface="Times New Roman" panose="02020603050405020304" pitchFamily="18" charset="0"/>
+              </a:rPr>
+              <a:t>            </a:t>
+            </a:r>
+            <a:r>
+              <a:rPr lang="en-US" altLang="zh-CN" sz="2000" b="1" dirty="0" err="1">
+                <a:latin typeface="Times New Roman" panose="02020603050405020304" pitchFamily="18" charset="0"/>
+              </a:rPr>
+              <a:t>dos.close</a:t>
+            </a:r>
+            <a:r>
+              <a:rPr lang="en-US" altLang="zh-CN" sz="2000" b="1" dirty="0">
+                <a:latin typeface="Times New Roman" panose="02020603050405020304" pitchFamily="18" charset="0"/>
+              </a:rPr>
+              <a:t>();</a:t>
             </a:r>
           </a:p>
           <a:p>
@@ -18284,7 +18500,7 @@
               <a:buNone/>
             </a:pPr>
             <a:r>
-              <a:rPr lang="en-US" altLang="zh-CN" sz="2000" b="1">
+              <a:rPr lang="en-US" altLang="zh-CN" sz="2000" b="1" dirty="0">
                 <a:latin typeface="Times New Roman" panose="02020603050405020304" pitchFamily="18" charset="0"/>
               </a:rPr>
               <a:t>        }</a:t>
@@ -18498,10 +18714,52 @@
               <a:buNone/>
             </a:pPr>
             <a:r>
-              <a:rPr lang="en-US" altLang="zh-CN" sz="2000" b="1">
-                <a:latin typeface="Times New Roman" panose="02020603050405020304" pitchFamily="18" charset="0"/>
-              </a:rPr>
-              <a:t>FileInputStream  fis = new FileInputStream("a.txt");</a:t>
+              <a:rPr lang="en-US" altLang="zh-CN" sz="2000" b="1" dirty="0" err="1">
+                <a:latin typeface="Times New Roman" panose="02020603050405020304" pitchFamily="18" charset="0"/>
+              </a:rPr>
+              <a:t>FileInputStream</a:t>
+            </a:r>
+            <a:r>
+              <a:rPr lang="en-US" altLang="zh-CN" sz="2000" b="1" dirty="0">
+                <a:latin typeface="Times New Roman" panose="02020603050405020304" pitchFamily="18" charset="0"/>
+              </a:rPr>
+              <a:t>  </a:t>
+            </a:r>
+            <a:r>
+              <a:rPr lang="en-US" altLang="zh-CN" sz="2000" b="1" dirty="0" err="1">
+                <a:latin typeface="Times New Roman" panose="02020603050405020304" pitchFamily="18" charset="0"/>
+              </a:rPr>
+              <a:t>fis</a:t>
+            </a:r>
+            <a:r>
+              <a:rPr lang="en-US" altLang="zh-CN" sz="2000" b="1" dirty="0">
+                <a:latin typeface="Times New Roman" panose="02020603050405020304" pitchFamily="18" charset="0"/>
+              </a:rPr>
+              <a:t> = new </a:t>
+            </a:r>
+            <a:r>
+              <a:rPr lang="en-US" altLang="zh-CN" sz="2000" b="1" dirty="0" err="1">
+                <a:latin typeface="Times New Roman" panose="02020603050405020304" pitchFamily="18" charset="0"/>
+              </a:rPr>
+              <a:t>FileInputStream</a:t>
+            </a:r>
+            <a:r>
+              <a:rPr lang="en-US" altLang="zh-CN" sz="2000" b="1" dirty="0">
+                <a:latin typeface="Times New Roman" panose="02020603050405020304" pitchFamily="18" charset="0"/>
+              </a:rPr>
+              <a:t>("</a:t>
+            </a:r>
+            <a:r>
+              <a:rPr lang="en-US" altLang="zh-CN" sz="2000" b="1" dirty="0" err="1">
+                <a:latin typeface="Times New Roman" panose="02020603050405020304" pitchFamily="18" charset="0"/>
+              </a:rPr>
+              <a:t>a.txt</a:t>
+            </a:r>
+            <a:r>
+              <a:rPr lang="en-US" altLang="zh-CN" sz="2000" b="1" dirty="0">
+                <a:latin typeface="Times New Roman" panose="02020603050405020304" pitchFamily="18" charset="0"/>
+              </a:rPr>
+              <a:t>");</a:t>
             </a:r>
           </a:p>
           <a:p>
@@ -18520,10 +18778,40 @@
               <a:buNone/>
             </a:pPr>
             <a:r>
-              <a:rPr lang="en-US" altLang="zh-CN" sz="2000" b="1">
-                <a:latin typeface="Times New Roman" panose="02020603050405020304" pitchFamily="18" charset="0"/>
-              </a:rPr>
-              <a:t>DataInputStream dis = new DataInputStream(fis);</a:t>
+              <a:rPr lang="en-US" altLang="zh-CN" sz="2000" b="1" dirty="0" err="1">
+                <a:latin typeface="Times New Roman" panose="02020603050405020304" pitchFamily="18" charset="0"/>
+              </a:rPr>
+              <a:t>DataInputStream</a:t>
+            </a:r>
+            <a:r>
+              <a:rPr lang="en-US" altLang="zh-CN" sz="2000" b="1" dirty="0">
+                <a:latin typeface="Times New Roman" panose="02020603050405020304" pitchFamily="18" charset="0"/>
+              </a:rPr>
+              <a:t> dis = new </a:t>
+            </a:r>
+            <a:r>
+              <a:rPr lang="en-US" altLang="zh-CN" sz="2000" b="1" dirty="0" err="1">
+                <a:latin typeface="Times New Roman" panose="02020603050405020304" pitchFamily="18" charset="0"/>
+              </a:rPr>
+              <a:t>DataInputStream</a:t>
+            </a:r>
+            <a:r>
+              <a:rPr lang="en-US" altLang="zh-CN" sz="2000" b="1" dirty="0">
+                <a:latin typeface="Times New Roman" panose="02020603050405020304" pitchFamily="18" charset="0"/>
+              </a:rPr>
+              <a:t>(</a:t>
+            </a:r>
+            <a:r>
+              <a:rPr lang="en-US" altLang="zh-CN" sz="2000" b="1" dirty="0" err="1">
+                <a:latin typeface="Times New Roman" panose="02020603050405020304" pitchFamily="18" charset="0"/>
+              </a:rPr>
+              <a:t>fis</a:t>
+            </a:r>
+            <a:r>
+              <a:rPr lang="en-US" altLang="zh-CN" sz="2000" b="1" dirty="0">
+                <a:latin typeface="Times New Roman" panose="02020603050405020304" pitchFamily="18" charset="0"/>
+              </a:rPr>
+              <a:t>);</a:t>
             </a:r>
           </a:p>
           <a:p>
@@ -18542,7 +18830,7 @@
               <a:buNone/>
             </a:pPr>
             <a:r>
-              <a:rPr lang="en-US" altLang="zh-CN" sz="2000" b="1">
+              <a:rPr lang="en-US" altLang="zh-CN" sz="2000" b="1" dirty="0">
                 <a:latin typeface="Times New Roman" panose="02020603050405020304" pitchFamily="18" charset="0"/>
               </a:rPr>
               <a:t>try</a:t>
@@ -18564,7 +18852,7 @@
               <a:buNone/>
             </a:pPr>
             <a:r>
-              <a:rPr lang="en-US" altLang="zh-CN" sz="2000" b="1">
+              <a:rPr lang="en-US" altLang="zh-CN" sz="2000" b="1" dirty="0">
                 <a:latin typeface="Times New Roman" panose="02020603050405020304" pitchFamily="18" charset="0"/>
               </a:rPr>
               <a:t>{</a:t>
@@ -18586,10 +18874,34 @@
               <a:buNone/>
             </a:pPr>
             <a:r>
-              <a:rPr lang="en-US" altLang="zh-CN" sz="2000" b="1">
-                <a:latin typeface="Times New Roman" panose="02020603050405020304" pitchFamily="18" charset="0"/>
-              </a:rPr>
-              <a:t>    System.out.println("\t "+dis.readBoolean());</a:t>
+              <a:rPr lang="en-US" altLang="zh-CN" sz="2000" b="1" dirty="0">
+                <a:latin typeface="Times New Roman" panose="02020603050405020304" pitchFamily="18" charset="0"/>
+              </a:rPr>
+              <a:t>    </a:t>
+            </a:r>
+            <a:r>
+              <a:rPr lang="en-US" altLang="zh-CN" sz="2000" b="1" dirty="0" err="1">
+                <a:latin typeface="Times New Roman" panose="02020603050405020304" pitchFamily="18" charset="0"/>
+              </a:rPr>
+              <a:t>System.out.println</a:t>
+            </a:r>
+            <a:r>
+              <a:rPr lang="en-US" altLang="zh-CN" sz="2000" b="1" dirty="0">
+                <a:latin typeface="Times New Roman" panose="02020603050405020304" pitchFamily="18" charset="0"/>
+              </a:rPr>
+              <a:t>("\t "+</a:t>
+            </a:r>
+            <a:r>
+              <a:rPr lang="en-US" altLang="zh-CN" sz="2000" b="1" dirty="0" err="1">
+                <a:latin typeface="Times New Roman" panose="02020603050405020304" pitchFamily="18" charset="0"/>
+              </a:rPr>
+              <a:t>dis.readBoolean</a:t>
+            </a:r>
+            <a:r>
+              <a:rPr lang="en-US" altLang="zh-CN" sz="2000" b="1" dirty="0">
+                <a:latin typeface="Times New Roman" panose="02020603050405020304" pitchFamily="18" charset="0"/>
+              </a:rPr>
+              <a:t>());</a:t>
             </a:r>
           </a:p>
           <a:p>
@@ -18608,10 +18920,34 @@
               <a:buNone/>
             </a:pPr>
             <a:r>
-              <a:rPr lang="en-US" altLang="zh-CN" sz="2000" b="1">
-                <a:latin typeface="Times New Roman" panose="02020603050405020304" pitchFamily="18" charset="0"/>
-              </a:rPr>
-              <a:t>    System.out.println("\t "+dis.readByte());</a:t>
+              <a:rPr lang="en-US" altLang="zh-CN" sz="2000" b="1" dirty="0">
+                <a:latin typeface="Times New Roman" panose="02020603050405020304" pitchFamily="18" charset="0"/>
+              </a:rPr>
+              <a:t>    </a:t>
+            </a:r>
+            <a:r>
+              <a:rPr lang="en-US" altLang="zh-CN" sz="2000" b="1" dirty="0" err="1">
+                <a:latin typeface="Times New Roman" panose="02020603050405020304" pitchFamily="18" charset="0"/>
+              </a:rPr>
+              <a:t>System.out.println</a:t>
+            </a:r>
+            <a:r>
+              <a:rPr lang="en-US" altLang="zh-CN" sz="2000" b="1" dirty="0">
+                <a:latin typeface="Times New Roman" panose="02020603050405020304" pitchFamily="18" charset="0"/>
+              </a:rPr>
+              <a:t>("\t "+</a:t>
+            </a:r>
+            <a:r>
+              <a:rPr lang="en-US" altLang="zh-CN" sz="2000" b="1" dirty="0" err="1">
+                <a:latin typeface="Times New Roman" panose="02020603050405020304" pitchFamily="18" charset="0"/>
+              </a:rPr>
+              <a:t>dis.readByte</a:t>
+            </a:r>
+            <a:r>
+              <a:rPr lang="en-US" altLang="zh-CN" sz="2000" b="1" dirty="0">
+                <a:latin typeface="Times New Roman" panose="02020603050405020304" pitchFamily="18" charset="0"/>
+              </a:rPr>
+              <a:t>());</a:t>
             </a:r>
           </a:p>
           <a:p>
@@ -18630,10 +18966,34 @@
               <a:buNone/>
             </a:pPr>
             <a:r>
-              <a:rPr lang="en-US" altLang="zh-CN" sz="2000" b="1">
-                <a:latin typeface="Times New Roman" panose="02020603050405020304" pitchFamily="18" charset="0"/>
-              </a:rPr>
-              <a:t>    System.out.println("\t "+dis.readChar());</a:t>
+              <a:rPr lang="en-US" altLang="zh-CN" sz="2000" b="1" dirty="0">
+                <a:latin typeface="Times New Roman" panose="02020603050405020304" pitchFamily="18" charset="0"/>
+              </a:rPr>
+              <a:t>    </a:t>
+            </a:r>
+            <a:r>
+              <a:rPr lang="en-US" altLang="zh-CN" sz="2000" b="1" dirty="0" err="1">
+                <a:latin typeface="Times New Roman" panose="02020603050405020304" pitchFamily="18" charset="0"/>
+              </a:rPr>
+              <a:t>System.out.println</a:t>
+            </a:r>
+            <a:r>
+              <a:rPr lang="en-US" altLang="zh-CN" sz="2000" b="1" dirty="0">
+                <a:latin typeface="Times New Roman" panose="02020603050405020304" pitchFamily="18" charset="0"/>
+              </a:rPr>
+              <a:t>("\t "+</a:t>
+            </a:r>
+            <a:r>
+              <a:rPr lang="en-US" altLang="zh-CN" sz="2000" b="1" dirty="0" err="1">
+                <a:latin typeface="Times New Roman" panose="02020603050405020304" pitchFamily="18" charset="0"/>
+              </a:rPr>
+              <a:t>dis.readChar</a:t>
+            </a:r>
+            <a:r>
+              <a:rPr lang="en-US" altLang="zh-CN" sz="2000" b="1" dirty="0">
+                <a:latin typeface="Times New Roman" panose="02020603050405020304" pitchFamily="18" charset="0"/>
+              </a:rPr>
+              <a:t>());</a:t>
             </a:r>
           </a:p>
           <a:p>
@@ -18652,10 +19012,34 @@
               <a:buNone/>
             </a:pPr>
             <a:r>
-              <a:rPr lang="en-US" altLang="zh-CN" sz="2000" b="1">
-                <a:latin typeface="Times New Roman" panose="02020603050405020304" pitchFamily="18" charset="0"/>
-              </a:rPr>
-              <a:t>    System.out.println("\t "+dis.readDouble());</a:t>
+              <a:rPr lang="en-US" altLang="zh-CN" sz="2000" b="1" dirty="0">
+                <a:latin typeface="Times New Roman" panose="02020603050405020304" pitchFamily="18" charset="0"/>
+              </a:rPr>
+              <a:t>    </a:t>
+            </a:r>
+            <a:r>
+              <a:rPr lang="en-US" altLang="zh-CN" sz="2000" b="1" dirty="0" err="1">
+                <a:latin typeface="Times New Roman" panose="02020603050405020304" pitchFamily="18" charset="0"/>
+              </a:rPr>
+              <a:t>System.out.println</a:t>
+            </a:r>
+            <a:r>
+              <a:rPr lang="en-US" altLang="zh-CN" sz="2000" b="1" dirty="0">
+                <a:latin typeface="Times New Roman" panose="02020603050405020304" pitchFamily="18" charset="0"/>
+              </a:rPr>
+              <a:t>("\t "+</a:t>
+            </a:r>
+            <a:r>
+              <a:rPr lang="en-US" altLang="zh-CN" sz="2000" b="1" dirty="0" err="1">
+                <a:latin typeface="Times New Roman" panose="02020603050405020304" pitchFamily="18" charset="0"/>
+              </a:rPr>
+              <a:t>dis.readDouble</a:t>
+            </a:r>
+            <a:r>
+              <a:rPr lang="en-US" altLang="zh-CN" sz="2000" b="1" dirty="0">
+                <a:latin typeface="Times New Roman" panose="02020603050405020304" pitchFamily="18" charset="0"/>
+              </a:rPr>
+              <a:t>());</a:t>
             </a:r>
           </a:p>
           <a:p>
@@ -18674,10 +19058,34 @@
               <a:buNone/>
             </a:pPr>
             <a:r>
-              <a:rPr lang="en-US" altLang="zh-CN" sz="2000" b="1">
-                <a:latin typeface="Times New Roman" panose="02020603050405020304" pitchFamily="18" charset="0"/>
-              </a:rPr>
-              <a:t>    System.out.println("\t "+dis.readFloat());</a:t>
+              <a:rPr lang="en-US" altLang="zh-CN" sz="2000" b="1" dirty="0">
+                <a:latin typeface="Times New Roman" panose="02020603050405020304" pitchFamily="18" charset="0"/>
+              </a:rPr>
+              <a:t>    </a:t>
+            </a:r>
+            <a:r>
+              <a:rPr lang="en-US" altLang="zh-CN" sz="2000" b="1" dirty="0" err="1">
+                <a:latin typeface="Times New Roman" panose="02020603050405020304" pitchFamily="18" charset="0"/>
+              </a:rPr>
+              <a:t>System.out.println</a:t>
+            </a:r>
+            <a:r>
+              <a:rPr lang="en-US" altLang="zh-CN" sz="2000" b="1" dirty="0">
+                <a:latin typeface="Times New Roman" panose="02020603050405020304" pitchFamily="18" charset="0"/>
+              </a:rPr>
+              <a:t>("\t "+</a:t>
+            </a:r>
+            <a:r>
+              <a:rPr lang="en-US" altLang="zh-CN" sz="2000" b="1" dirty="0" err="1">
+                <a:latin typeface="Times New Roman" panose="02020603050405020304" pitchFamily="18" charset="0"/>
+              </a:rPr>
+              <a:t>dis.readFloat</a:t>
+            </a:r>
+            <a:r>
+              <a:rPr lang="en-US" altLang="zh-CN" sz="2000" b="1" dirty="0">
+                <a:latin typeface="Times New Roman" panose="02020603050405020304" pitchFamily="18" charset="0"/>
+              </a:rPr>
+              <a:t>());</a:t>
             </a:r>
           </a:p>
           <a:p>
@@ -18696,10 +19104,34 @@
               <a:buNone/>
             </a:pPr>
             <a:r>
-              <a:rPr lang="en-US" altLang="zh-CN" sz="2000" b="1">
-                <a:latin typeface="Times New Roman" panose="02020603050405020304" pitchFamily="18" charset="0"/>
-              </a:rPr>
-              <a:t>    System.out.println("\t "+dis.readInt());</a:t>
+              <a:rPr lang="en-US" altLang="zh-CN" sz="2000" b="1" dirty="0">
+                <a:latin typeface="Times New Roman" panose="02020603050405020304" pitchFamily="18" charset="0"/>
+              </a:rPr>
+              <a:t>    </a:t>
+            </a:r>
+            <a:r>
+              <a:rPr lang="en-US" altLang="zh-CN" sz="2000" b="1" dirty="0" err="1">
+                <a:latin typeface="Times New Roman" panose="02020603050405020304" pitchFamily="18" charset="0"/>
+              </a:rPr>
+              <a:t>System.out.println</a:t>
+            </a:r>
+            <a:r>
+              <a:rPr lang="en-US" altLang="zh-CN" sz="2000" b="1" dirty="0">
+                <a:latin typeface="Times New Roman" panose="02020603050405020304" pitchFamily="18" charset="0"/>
+              </a:rPr>
+              <a:t>("\t "+</a:t>
+            </a:r>
+            <a:r>
+              <a:rPr lang="en-US" altLang="zh-CN" sz="2000" b="1" dirty="0" err="1">
+                <a:latin typeface="Times New Roman" panose="02020603050405020304" pitchFamily="18" charset="0"/>
+              </a:rPr>
+              <a:t>dis.readInt</a:t>
+            </a:r>
+            <a:r>
+              <a:rPr lang="en-US" altLang="zh-CN" sz="2000" b="1" dirty="0">
+                <a:latin typeface="Times New Roman" panose="02020603050405020304" pitchFamily="18" charset="0"/>
+              </a:rPr>
+              <a:t>());</a:t>
             </a:r>
           </a:p>
           <a:p>
@@ -18718,10 +19150,34 @@
               <a:buNone/>
             </a:pPr>
             <a:r>
-              <a:rPr lang="en-US" altLang="zh-CN" sz="2000" b="1">
-                <a:latin typeface="Times New Roman" panose="02020603050405020304" pitchFamily="18" charset="0"/>
-              </a:rPr>
-              <a:t>    System.out.println("\t "+dis.readLong());</a:t>
+              <a:rPr lang="en-US" altLang="zh-CN" sz="2000" b="1" dirty="0">
+                <a:latin typeface="Times New Roman" panose="02020603050405020304" pitchFamily="18" charset="0"/>
+              </a:rPr>
+              <a:t>    </a:t>
+            </a:r>
+            <a:r>
+              <a:rPr lang="en-US" altLang="zh-CN" sz="2000" b="1" dirty="0" err="1">
+                <a:latin typeface="Times New Roman" panose="02020603050405020304" pitchFamily="18" charset="0"/>
+              </a:rPr>
+              <a:t>System.out.println</a:t>
+            </a:r>
+            <a:r>
+              <a:rPr lang="en-US" altLang="zh-CN" sz="2000" b="1" dirty="0">
+                <a:latin typeface="Times New Roman" panose="02020603050405020304" pitchFamily="18" charset="0"/>
+              </a:rPr>
+              <a:t>("\t "+</a:t>
+            </a:r>
+            <a:r>
+              <a:rPr lang="en-US" altLang="zh-CN" sz="2000" b="1" dirty="0" err="1">
+                <a:latin typeface="Times New Roman" panose="02020603050405020304" pitchFamily="18" charset="0"/>
+              </a:rPr>
+              <a:t>dis.readLong</a:t>
+            </a:r>
+            <a:r>
+              <a:rPr lang="en-US" altLang="zh-CN" sz="2000" b="1" dirty="0">
+                <a:latin typeface="Times New Roman" panose="02020603050405020304" pitchFamily="18" charset="0"/>
+              </a:rPr>
+              <a:t>());</a:t>
             </a:r>
           </a:p>
           <a:p>
@@ -18740,10 +19196,34 @@
               <a:buNone/>
             </a:pPr>
             <a:r>
-              <a:rPr lang="en-US" altLang="zh-CN" sz="2000" b="1">
-                <a:latin typeface="Times New Roman" panose="02020603050405020304" pitchFamily="18" charset="0"/>
-              </a:rPr>
-              <a:t>    System.out.println("\t "+dis.readShort());</a:t>
+              <a:rPr lang="en-US" altLang="zh-CN" sz="2000" b="1" dirty="0">
+                <a:latin typeface="Times New Roman" panose="02020603050405020304" pitchFamily="18" charset="0"/>
+              </a:rPr>
+              <a:t>    </a:t>
+            </a:r>
+            <a:r>
+              <a:rPr lang="en-US" altLang="zh-CN" sz="2000" b="1" dirty="0" err="1">
+                <a:latin typeface="Times New Roman" panose="02020603050405020304" pitchFamily="18" charset="0"/>
+              </a:rPr>
+              <a:t>System.out.println</a:t>
+            </a:r>
+            <a:r>
+              <a:rPr lang="en-US" altLang="zh-CN" sz="2000" b="1" dirty="0">
+                <a:latin typeface="Times New Roman" panose="02020603050405020304" pitchFamily="18" charset="0"/>
+              </a:rPr>
+              <a:t>("\t "+</a:t>
+            </a:r>
+            <a:r>
+              <a:rPr lang="en-US" altLang="zh-CN" sz="2000" b="1" dirty="0" err="1">
+                <a:latin typeface="Times New Roman" panose="02020603050405020304" pitchFamily="18" charset="0"/>
+              </a:rPr>
+              <a:t>dis.readShort</a:t>
+            </a:r>
+            <a:r>
+              <a:rPr lang="en-US" altLang="zh-CN" sz="2000" b="1" dirty="0">
+                <a:latin typeface="Times New Roman" panose="02020603050405020304" pitchFamily="18" charset="0"/>
+              </a:rPr>
+              <a:t>());</a:t>
             </a:r>
           </a:p>
           <a:p>
@@ -18762,7 +19242,7 @@
               <a:buNone/>
             </a:pPr>
             <a:r>
-              <a:rPr lang="en-US" altLang="zh-CN" sz="2000" b="1">
+              <a:rPr lang="en-US" altLang="zh-CN" sz="2000" b="1" dirty="0">
                 <a:latin typeface="Times New Roman" panose="02020603050405020304" pitchFamily="18" charset="0"/>
               </a:rPr>
               <a:t>}</a:t>
@@ -18784,7 +19264,7 @@
               <a:buNone/>
             </a:pPr>
             <a:r>
-              <a:rPr lang="en-US" altLang="zh-CN" sz="2000" b="1">
+              <a:rPr lang="en-US" altLang="zh-CN" sz="2000" b="1" dirty="0">
                 <a:latin typeface="Times New Roman" panose="02020603050405020304" pitchFamily="18" charset="0"/>
               </a:rPr>
               <a:t>finally</a:t>
@@ -18806,7 +19286,7 @@
               <a:buNone/>
             </a:pPr>
             <a:r>
-              <a:rPr lang="en-US" altLang="zh-CN" sz="2000" b="1">
+              <a:rPr lang="en-US" altLang="zh-CN" sz="2000" b="1" dirty="0">
                 <a:latin typeface="Times New Roman" panose="02020603050405020304" pitchFamily="18" charset="0"/>
               </a:rPr>
               <a:t>{</a:t>
@@ -18828,10 +19308,22 @@
               <a:buNone/>
             </a:pPr>
             <a:r>
-              <a:rPr lang="en-US" altLang="zh-CN" sz="2000" b="1">
-                <a:latin typeface="Times New Roman" panose="02020603050405020304" pitchFamily="18" charset="0"/>
-              </a:rPr>
-              <a:t>    dis.close();</a:t>
+              <a:rPr lang="en-US" altLang="zh-CN" sz="2000" b="1" dirty="0">
+                <a:latin typeface="Times New Roman" panose="02020603050405020304" pitchFamily="18" charset="0"/>
+              </a:rPr>
+              <a:t>    </a:t>
+            </a:r>
+            <a:r>
+              <a:rPr lang="en-US" altLang="zh-CN" sz="2000" b="1" dirty="0" err="1">
+                <a:latin typeface="Times New Roman" panose="02020603050405020304" pitchFamily="18" charset="0"/>
+              </a:rPr>
+              <a:t>dis.close</a:t>
+            </a:r>
+            <a:r>
+              <a:rPr lang="en-US" altLang="zh-CN" sz="2000" b="1" dirty="0">
+                <a:latin typeface="Times New Roman" panose="02020603050405020304" pitchFamily="18" charset="0"/>
+              </a:rPr>
+              <a:t>();</a:t>
             </a:r>
           </a:p>
           <a:p>
@@ -18850,7 +19342,7 @@
               <a:buNone/>
             </a:pPr>
             <a:r>
-              <a:rPr lang="en-US" altLang="zh-CN" sz="2000" b="1">
+              <a:rPr lang="en-US" altLang="zh-CN" sz="2000" b="1" dirty="0">
                 <a:latin typeface="Times New Roman" panose="02020603050405020304" pitchFamily="18" charset="0"/>
               </a:rPr>
               <a:t>}</a:t>
@@ -18872,7 +19364,7 @@
               <a:buNone/>
             </a:pPr>
             <a:r>
-              <a:rPr lang="en-US" altLang="zh-CN" sz="2000" b="1">
+              <a:rPr lang="en-US" altLang="zh-CN" sz="2000" b="1" dirty="0">
                 <a:latin typeface="Times New Roman" panose="02020603050405020304" pitchFamily="18" charset="0"/>
               </a:rPr>
               <a:t>   }//main()</a:t>
@@ -18894,7 +19386,7 @@
               <a:buNone/>
             </a:pPr>
             <a:r>
-              <a:rPr lang="en-US" altLang="zh-CN" sz="2000" b="1">
+              <a:rPr lang="en-US" altLang="zh-CN" sz="2000" b="1" dirty="0">
                 <a:latin typeface="Times New Roman" panose="02020603050405020304" pitchFamily="18" charset="0"/>
               </a:rPr>
               <a:t>}//class DataStream</a:t>
@@ -20566,9 +21058,14 @@
               </a:spcBef>
             </a:pPr>
             <a:r>
-              <a:rPr lang="en-US" altLang="zh-CN" b="1"/>
-              <a:t>public class ReadFromKB</a:t>
-            </a:r>
+              <a:rPr lang="en-US" altLang="zh-CN" b="1" dirty="0"/>
+              <a:t>public class </a:t>
+            </a:r>
+            <a:r>
+              <a:rPr lang="en-US" altLang="zh-CN" b="1" dirty="0" err="1"/>
+              <a:t>ReadFromKB</a:t>
+            </a:r>
+            <a:endParaRPr lang="en-US" altLang="zh-CN" b="1" dirty="0"/>
           </a:p>
           <a:p>
             <a:pPr>
@@ -20580,7 +21077,7 @@
               </a:spcBef>
             </a:pPr>
             <a:r>
-              <a:rPr lang="en-US" altLang="zh-CN" b="1"/>
+              <a:rPr lang="en-US" altLang="zh-CN" b="1" dirty="0"/>
               <a:t>{</a:t>
             </a:r>
           </a:p>
@@ -20594,8 +21091,16 @@
               </a:spcBef>
             </a:pPr>
             <a:r>
-              <a:rPr lang="en-US" altLang="zh-CN" b="1"/>
-              <a:t>    public static void main(String args[])</a:t>
+              <a:rPr lang="en-US" altLang="zh-CN" b="1" dirty="0"/>
+              <a:t>    public static void main(String </a:t>
+            </a:r>
+            <a:r>
+              <a:rPr lang="en-US" altLang="zh-CN" b="1" dirty="0" err="1"/>
+              <a:t>args</a:t>
+            </a:r>
+            <a:r>
+              <a:rPr lang="en-US" altLang="zh-CN" b="1" dirty="0"/>
+              <a:t>[])</a:t>
             </a:r>
           </a:p>
           <a:p>
@@ -20608,7 +21113,7 @@
               </a:spcBef>
             </a:pPr>
             <a:r>
-              <a:rPr lang="en-US" altLang="zh-CN" b="1"/>
+              <a:rPr lang="en-US" altLang="zh-CN" b="1" dirty="0"/>
               <a:t>    {</a:t>
             </a:r>
           </a:p>
@@ -20622,7 +21127,7 @@
               </a:spcBef>
             </a:pPr>
             <a:r>
-              <a:rPr lang="en-US" altLang="zh-CN" b="1"/>
+              <a:rPr lang="en-US" altLang="zh-CN" b="1" dirty="0"/>
               <a:t>        try</a:t>
             </a:r>
           </a:p>
@@ -20636,7 +21141,7 @@
               </a:spcBef>
             </a:pPr>
             <a:r>
-              <a:rPr lang="en-US" altLang="zh-CN" b="1"/>
+              <a:rPr lang="en-US" altLang="zh-CN" b="1" dirty="0"/>
               <a:t>       {</a:t>
             </a:r>
           </a:p>
@@ -20650,8 +21155,16 @@
               </a:spcBef>
             </a:pPr>
             <a:r>
-              <a:rPr lang="en-US" altLang="zh-CN" b="1"/>
-              <a:t>	byte bArray[]=new byte[128];</a:t>
+              <a:rPr lang="en-US" altLang="zh-CN" b="1" dirty="0"/>
+              <a:t>	byte </a:t>
+            </a:r>
+            <a:r>
+              <a:rPr lang="en-US" altLang="zh-CN" b="1" dirty="0" err="1"/>
+              <a:t>bArray</a:t>
+            </a:r>
+            <a:r>
+              <a:rPr lang="en-US" altLang="zh-CN" b="1" dirty="0"/>
+              <a:t>[]=new byte[128];</a:t>
             </a:r>
           </a:p>
           <a:p>
@@ -20664,7 +21177,7 @@
               </a:spcBef>
             </a:pPr>
             <a:r>
-              <a:rPr lang="en-US" altLang="zh-CN" b="1"/>
+              <a:rPr lang="en-US" altLang="zh-CN" b="1" dirty="0"/>
               <a:t>	String str;</a:t>
             </a:r>
           </a:p>
@@ -20678,8 +21191,24 @@
               </a:spcBef>
             </a:pPr>
             <a:r>
-              <a:rPr lang="en-US" altLang="zh-CN" b="1"/>
-              <a:t>	System.out.println("Enter something Using Keyborad:");</a:t>
+              <a:rPr lang="en-US" altLang="zh-CN" b="1" dirty="0"/>
+              <a:t>	</a:t>
+            </a:r>
+            <a:r>
+              <a:rPr lang="en-US" altLang="zh-CN" b="1" dirty="0" err="1"/>
+              <a:t>System.out.println</a:t>
+            </a:r>
+            <a:r>
+              <a:rPr lang="en-US" altLang="zh-CN" b="1" dirty="0"/>
+              <a:t>("Enter something Using </a:t>
+            </a:r>
+            <a:r>
+              <a:rPr lang="en-US" altLang="zh-CN" b="1" dirty="0" err="1"/>
+              <a:t>Keyborad</a:t>
+            </a:r>
+            <a:r>
+              <a:rPr lang="en-US" altLang="zh-CN" b="1" dirty="0"/>
+              <a:t>:");</a:t>
             </a:r>
           </a:p>
           <a:p>
@@ -20692,8 +21221,24 @@
               </a:spcBef>
             </a:pPr>
             <a:r>
-              <a:rPr lang="en-US" altLang="zh-CN" b="1"/>
-              <a:t>	System.in.read(bArray);</a:t>
+              <a:rPr lang="en-US" altLang="zh-CN" b="1" dirty="0"/>
+              <a:t>	</a:t>
+            </a:r>
+            <a:r>
+              <a:rPr lang="en-US" altLang="zh-CN" b="1" dirty="0" err="1"/>
+              <a:t>System.in.read</a:t>
+            </a:r>
+            <a:r>
+              <a:rPr lang="en-US" altLang="zh-CN" b="1" dirty="0"/>
+              <a:t>(</a:t>
+            </a:r>
+            <a:r>
+              <a:rPr lang="en-US" altLang="zh-CN" b="1" dirty="0" err="1"/>
+              <a:t>bArray</a:t>
+            </a:r>
+            <a:r>
+              <a:rPr lang="en-US" altLang="zh-CN" b="1" dirty="0"/>
+              <a:t>);</a:t>
             </a:r>
           </a:p>
           <a:p>
@@ -20706,8 +21251,16 @@
               </a:spcBef>
             </a:pPr>
             <a:r>
-              <a:rPr lang="en-US" altLang="zh-CN" b="1"/>
-              <a:t>	str = new String(bArray, 0);</a:t>
+              <a:rPr lang="en-US" altLang="zh-CN" b="1" dirty="0"/>
+              <a:t>	str = new String(</a:t>
+            </a:r>
+            <a:r>
+              <a:rPr lang="en-US" altLang="zh-CN" b="1" dirty="0" err="1"/>
+              <a:t>bArray</a:t>
+            </a:r>
+            <a:r>
+              <a:rPr lang="en-US" altLang="zh-CN" b="1" dirty="0"/>
+              <a:t>, 0);</a:t>
             </a:r>
           </a:p>
           <a:p>
@@ -20720,8 +21273,16 @@
               </a:spcBef>
             </a:pPr>
             <a:r>
-              <a:rPr lang="en-US" altLang="zh-CN" b="1"/>
-              <a:t>	System.out.print("You entered:");</a:t>
+              <a:rPr lang="en-US" altLang="zh-CN" b="1" dirty="0"/>
+              <a:t>	</a:t>
+            </a:r>
+            <a:r>
+              <a:rPr lang="en-US" altLang="zh-CN" b="1" dirty="0" err="1"/>
+              <a:t>System.out.print</a:t>
+            </a:r>
+            <a:r>
+              <a:rPr lang="en-US" altLang="zh-CN" b="1" dirty="0"/>
+              <a:t>("You entered:");</a:t>
             </a:r>
           </a:p>
           <a:p>
@@ -20734,8 +21295,16 @@
               </a:spcBef>
             </a:pPr>
             <a:r>
-              <a:rPr lang="en-US" altLang="zh-CN" b="1"/>
-              <a:t>	System.out.println(str);</a:t>
+              <a:rPr lang="en-US" altLang="zh-CN" b="1" dirty="0"/>
+              <a:t>	</a:t>
+            </a:r>
+            <a:r>
+              <a:rPr lang="en-US" altLang="zh-CN" b="1" dirty="0" err="1"/>
+              <a:t>System.out.println</a:t>
+            </a:r>
+            <a:r>
+              <a:rPr lang="en-US" altLang="zh-CN" b="1" dirty="0"/>
+              <a:t>(str);</a:t>
             </a:r>
           </a:p>
           <a:p>
@@ -20748,7 +21317,7 @@
               </a:spcBef>
             </a:pPr>
             <a:r>
-              <a:rPr lang="en-US" altLang="zh-CN" b="1"/>
+              <a:rPr lang="en-US" altLang="zh-CN" b="1" dirty="0"/>
               <a:t>       }</a:t>
             </a:r>
           </a:p>
@@ -20762,8 +21331,24 @@
               </a:spcBef>
             </a:pPr>
             <a:r>
-              <a:rPr lang="en-US" altLang="zh-CN" b="1"/>
-              <a:t>       catch(IOException ioe)</a:t>
+              <a:rPr lang="en-US" altLang="zh-CN" b="1" dirty="0"/>
+              <a:t>       catch(</a:t>
+            </a:r>
+            <a:r>
+              <a:rPr lang="en-US" altLang="zh-CN" b="1" dirty="0" err="1"/>
+              <a:t>IOException</a:t>
+            </a:r>
+            <a:r>
+              <a:rPr lang="en-US" altLang="zh-CN" b="1" dirty="0"/>
+              <a:t> </a:t>
+            </a:r>
+            <a:r>
+              <a:rPr lang="en-US" altLang="zh-CN" b="1" dirty="0" err="1"/>
+              <a:t>ioe</a:t>
+            </a:r>
+            <a:r>
+              <a:rPr lang="en-US" altLang="zh-CN" b="1" dirty="0"/>
+              <a:t>)</a:t>
             </a:r>
           </a:p>
           <a:p>
@@ -20776,7 +21361,7 @@
               </a:spcBef>
             </a:pPr>
             <a:r>
-              <a:rPr lang="en-US" altLang="zh-CN" b="1"/>
+              <a:rPr lang="en-US" altLang="zh-CN" b="1" dirty="0"/>
               <a:t>       {</a:t>
             </a:r>
           </a:p>
@@ -20790,8 +21375,24 @@
               </a:spcBef>
             </a:pPr>
             <a:r>
-              <a:rPr lang="en-US" altLang="zh-CN" b="1"/>
-              <a:t>	System.out.println(ioe.toString());</a:t>
+              <a:rPr lang="en-US" altLang="zh-CN" b="1" dirty="0"/>
+              <a:t>	</a:t>
+            </a:r>
+            <a:r>
+              <a:rPr lang="en-US" altLang="zh-CN" b="1" dirty="0" err="1"/>
+              <a:t>System.out.println</a:t>
+            </a:r>
+            <a:r>
+              <a:rPr lang="en-US" altLang="zh-CN" b="1" dirty="0"/>
+              <a:t>(</a:t>
+            </a:r>
+            <a:r>
+              <a:rPr lang="en-US" altLang="zh-CN" b="1" dirty="0" err="1"/>
+              <a:t>ioe.toString</a:t>
+            </a:r>
+            <a:r>
+              <a:rPr lang="en-US" altLang="zh-CN" b="1" dirty="0"/>
+              <a:t>());</a:t>
             </a:r>
           </a:p>
           <a:p>
@@ -20804,7 +21405,7 @@
               </a:spcBef>
             </a:pPr>
             <a:r>
-              <a:rPr lang="en-US" altLang="zh-CN" b="1"/>
+              <a:rPr lang="en-US" altLang="zh-CN" b="1" dirty="0"/>
               <a:t>       }</a:t>
             </a:r>
           </a:p>
@@ -20818,7 +21419,7 @@
               </a:spcBef>
             </a:pPr>
             <a:r>
-              <a:rPr lang="en-US" altLang="zh-CN" b="1"/>
+              <a:rPr lang="en-US" altLang="zh-CN" b="1" dirty="0"/>
               <a:t>    }</a:t>
             </a:r>
           </a:p>
@@ -20832,7 +21433,7 @@
               </a:spcBef>
             </a:pPr>
             <a:r>
-              <a:rPr lang="en-US" altLang="zh-CN" b="1"/>
+              <a:rPr lang="en-US" altLang="zh-CN" b="1" dirty="0"/>
               <a:t>}</a:t>
             </a:r>
           </a:p>
@@ -44450,6 +45051,36 @@
 </p:sld>
 </file>
 
+<file path=ppt/slides/slide75.xml><?xml version="1.0" encoding="utf-8"?>
+<p:sld xmlns:a="http://schemas.openxmlformats.org/drawingml/2006/main" xmlns:r="http://schemas.openxmlformats.org/officeDocument/2006/relationships" xmlns:p="http://schemas.openxmlformats.org/presentationml/2006/main">
+  <p:cSld>
+    <p:spTree>
+      <p:nvGrpSpPr>
+        <p:cNvPr id="1" name=""/>
+        <p:cNvGrpSpPr/>
+        <p:nvPr/>
+      </p:nvGrpSpPr>
+      <p:grpSpPr>
+        <a:xfrm>
+          <a:off x="0" y="0"/>
+          <a:ext cx="0" cy="0"/>
+          <a:chOff x="0" y="0"/>
+          <a:chExt cx="0" cy="0"/>
+        </a:xfrm>
+      </p:grpSpPr>
+    </p:spTree>
+    <p:extLst>
+      <p:ext uri="{BB962C8B-B14F-4D97-AF65-F5344CB8AC3E}">
+        <p14:creationId xmlns:p14="http://schemas.microsoft.com/office/powerpoint/2010/main" val="362769259"/>
+      </p:ext>
+    </p:extLst>
+  </p:cSld>
+  <p:clrMapOvr>
+    <a:masterClrMapping/>
+  </p:clrMapOvr>
+</p:sld>
+</file>
+
 <file path=ppt/slides/slide8.xml><?xml version="1.0" encoding="utf-8"?>
 <p:sld xmlns:a="http://schemas.openxmlformats.org/drawingml/2006/main" xmlns:r="http://schemas.openxmlformats.org/officeDocument/2006/relationships" xmlns:p="http://schemas.openxmlformats.org/presentationml/2006/main">
   <p:cSld>
